--- a/PPT Pelatihan Visualisasi Data.pptx
+++ b/PPT Pelatihan Visualisasi Data.pptx
@@ -285,7 +285,7 @@
           <a:p>
             <a:fld id="{BE92F6E7-F729-4374-97AF-6621FCBEC648}" type="datetimeFigureOut">
               <a:rPr lang="en-ID" smtClean="0"/>
-              <a:t>06/12/2023</a:t>
+              <a:t>21/03/2024</a:t>
             </a:fld>
             <a:endParaRPr lang="en-ID"/>
           </a:p>
@@ -485,7 +485,7 @@
           <a:p>
             <a:fld id="{BE92F6E7-F729-4374-97AF-6621FCBEC648}" type="datetimeFigureOut">
               <a:rPr lang="en-ID" smtClean="0"/>
-              <a:t>06/12/2023</a:t>
+              <a:t>21/03/2024</a:t>
             </a:fld>
             <a:endParaRPr lang="en-ID"/>
           </a:p>
@@ -695,7 +695,7 @@
           <a:p>
             <a:fld id="{BE92F6E7-F729-4374-97AF-6621FCBEC648}" type="datetimeFigureOut">
               <a:rPr lang="en-ID" smtClean="0"/>
-              <a:t>06/12/2023</a:t>
+              <a:t>21/03/2024</a:t>
             </a:fld>
             <a:endParaRPr lang="en-ID"/>
           </a:p>
@@ -895,7 +895,7 @@
           <a:p>
             <a:fld id="{BE92F6E7-F729-4374-97AF-6621FCBEC648}" type="datetimeFigureOut">
               <a:rPr lang="en-ID" smtClean="0"/>
-              <a:t>06/12/2023</a:t>
+              <a:t>21/03/2024</a:t>
             </a:fld>
             <a:endParaRPr lang="en-ID"/>
           </a:p>
@@ -1171,7 +1171,7 @@
           <a:p>
             <a:fld id="{BE92F6E7-F729-4374-97AF-6621FCBEC648}" type="datetimeFigureOut">
               <a:rPr lang="en-ID" smtClean="0"/>
-              <a:t>06/12/2023</a:t>
+              <a:t>21/03/2024</a:t>
             </a:fld>
             <a:endParaRPr lang="en-ID"/>
           </a:p>
@@ -1439,7 +1439,7 @@
           <a:p>
             <a:fld id="{BE92F6E7-F729-4374-97AF-6621FCBEC648}" type="datetimeFigureOut">
               <a:rPr lang="en-ID" smtClean="0"/>
-              <a:t>06/12/2023</a:t>
+              <a:t>21/03/2024</a:t>
             </a:fld>
             <a:endParaRPr lang="en-ID"/>
           </a:p>
@@ -1854,7 +1854,7 @@
           <a:p>
             <a:fld id="{BE92F6E7-F729-4374-97AF-6621FCBEC648}" type="datetimeFigureOut">
               <a:rPr lang="en-ID" smtClean="0"/>
-              <a:t>06/12/2023</a:t>
+              <a:t>21/03/2024</a:t>
             </a:fld>
             <a:endParaRPr lang="en-ID"/>
           </a:p>
@@ -1996,7 +1996,7 @@
           <a:p>
             <a:fld id="{BE92F6E7-F729-4374-97AF-6621FCBEC648}" type="datetimeFigureOut">
               <a:rPr lang="en-ID" smtClean="0"/>
-              <a:t>06/12/2023</a:t>
+              <a:t>21/03/2024</a:t>
             </a:fld>
             <a:endParaRPr lang="en-ID"/>
           </a:p>
@@ -2109,7 +2109,7 @@
           <a:p>
             <a:fld id="{BE92F6E7-F729-4374-97AF-6621FCBEC648}" type="datetimeFigureOut">
               <a:rPr lang="en-ID" smtClean="0"/>
-              <a:t>06/12/2023</a:t>
+              <a:t>21/03/2024</a:t>
             </a:fld>
             <a:endParaRPr lang="en-ID"/>
           </a:p>
@@ -2422,7 +2422,7 @@
           <a:p>
             <a:fld id="{BE92F6E7-F729-4374-97AF-6621FCBEC648}" type="datetimeFigureOut">
               <a:rPr lang="en-ID" smtClean="0"/>
-              <a:t>06/12/2023</a:t>
+              <a:t>21/03/2024</a:t>
             </a:fld>
             <a:endParaRPr lang="en-ID"/>
           </a:p>
@@ -2711,7 +2711,7 @@
           <a:p>
             <a:fld id="{BE92F6E7-F729-4374-97AF-6621FCBEC648}" type="datetimeFigureOut">
               <a:rPr lang="en-ID" smtClean="0"/>
-              <a:t>06/12/2023</a:t>
+              <a:t>21/03/2024</a:t>
             </a:fld>
             <a:endParaRPr lang="en-ID"/>
           </a:p>
@@ -2954,7 +2954,7 @@
           <a:p>
             <a:fld id="{BE92F6E7-F729-4374-97AF-6621FCBEC648}" type="datetimeFigureOut">
               <a:rPr lang="en-ID" smtClean="0"/>
-              <a:t>06/12/2023</a:t>
+              <a:t>21/03/2024</a:t>
             </a:fld>
             <a:endParaRPr lang="en-ID"/>
           </a:p>
@@ -3400,27 +3400,47 @@
           <a:lstStyle/>
           <a:p>
             <a:br>
+              <a:rPr lang="en-US" sz="5000" dirty="0"/>
+            </a:br>
+            <a:r>
+              <a:rPr lang="en-US" sz="5000" dirty="0"/>
+              <a:t>Dasar – Dasar </a:t>
+            </a:r>
+            <a:r>
+              <a:rPr lang="en-US" sz="5000" dirty="0" err="1"/>
+              <a:t>Visualisasi</a:t>
+            </a:r>
+            <a:r>
+              <a:rPr lang="en-US" sz="5000" dirty="0"/>
+              <a:t> Data</a:t>
+            </a:r>
+            <a:br>
+              <a:rPr lang="en-US" sz="5000" dirty="0"/>
+            </a:br>
+            <a:r>
+              <a:rPr lang="en-US" sz="5000" dirty="0"/>
+              <a:t>Menggunakan Pustaka </a:t>
+            </a:r>
+            <a:r>
               <a:rPr lang="en-US" sz="5000"/>
+              <a:t>Streamlit</a:t>
+            </a:r>
+            <a:br>
+              <a:rPr lang="en-US" sz="5000" dirty="0"/>
             </a:br>
             <a:r>
-              <a:rPr lang="en-US" sz="5000"/>
-              <a:t>Dasar – Dasar Visualisasi Data</a:t>
-            </a:r>
-            <a:br>
-              <a:rPr lang="en-US" sz="5000"/>
-            </a:br>
-            <a:r>
-              <a:rPr lang="en-US" sz="5000"/>
-              <a:t>Menggunakan Pustaka Streamlit</a:t>
-            </a:r>
-            <a:br>
-              <a:rPr lang="en-US" sz="5000"/>
-            </a:br>
-            <a:r>
-              <a:rPr lang="en-US" sz="3300"/>
-              <a:t>(Studi case: Web informasi video games sales)</a:t>
-            </a:r>
-            <a:endParaRPr lang="en-ID" sz="3300"/>
+              <a:rPr lang="en-US" sz="3300" dirty="0"/>
+              <a:t>(Studi case: Web </a:t>
+            </a:r>
+            <a:r>
+              <a:rPr lang="en-US" sz="3300" dirty="0" err="1"/>
+              <a:t>informasi</a:t>
+            </a:r>
+            <a:r>
+              <a:rPr lang="en-US" sz="3300" dirty="0"/>
+              <a:t> video games sales)</a:t>
+            </a:r>
+            <a:endParaRPr lang="en-ID" sz="3300" dirty="0"/>
           </a:p>
         </p:txBody>
       </p:sp>
@@ -3445,12 +3465,32 @@
           <a:bodyPr/>
           <a:lstStyle/>
           <a:p>
-            <a:endParaRPr lang="en-US"/>
-          </a:p>
-          <a:p>
-            <a:r>
-              <a:rPr lang="en-ID"/>
-              <a:t>Aryajaya Alamsyah, S.Kom., M.Kom., MTA.</a:t>
+            <a:endParaRPr lang="en-US" dirty="0"/>
+          </a:p>
+          <a:p>
+            <a:r>
+              <a:rPr lang="en-ID" dirty="0" err="1"/>
+              <a:t>Aryajaya</a:t>
+            </a:r>
+            <a:r>
+              <a:rPr lang="en-ID" dirty="0"/>
+              <a:t> Alamsyah, </a:t>
+            </a:r>
+            <a:r>
+              <a:rPr lang="en-ID" dirty="0" err="1"/>
+              <a:t>S.Kom</a:t>
+            </a:r>
+            <a:r>
+              <a:rPr lang="en-ID" dirty="0"/>
+              <a:t>., </a:t>
+            </a:r>
+            <a:r>
+              <a:rPr lang="en-ID" dirty="0" err="1"/>
+              <a:t>M.Kom</a:t>
+            </a:r>
+            <a:r>
+              <a:rPr lang="en-ID" dirty="0"/>
+              <a:t>., MTA.</a:t>
             </a:r>
           </a:p>
         </p:txBody>
@@ -6466,81 +6506,334 @@
           <a:lstStyle/>
           <a:p>
             <a:r>
-              <a:rPr lang="en-US" sz="2400"/>
+              <a:rPr lang="en-US" sz="2400" dirty="0"/>
               <a:t>Riwayat Pendidikan</a:t>
             </a:r>
           </a:p>
           <a:p>
             <a:pPr lvl="1"/>
             <a:r>
-              <a:rPr lang="en-US" sz="2000"/>
-              <a:t>2013 – 2015, CCIT FT UI – Tek. Informasi Perbankan Syariah</a:t>
-            </a:r>
+              <a:rPr lang="en-US" sz="2000" dirty="0"/>
+              <a:t>2013 – 2015, D3 UI – </a:t>
+            </a:r>
+            <a:r>
+              <a:rPr lang="en-US" sz="2000" dirty="0" err="1"/>
+              <a:t>Teknologi</a:t>
+            </a:r>
+            <a:r>
+              <a:rPr lang="en-US" sz="2000" dirty="0"/>
+              <a:t> </a:t>
+            </a:r>
+            <a:r>
+              <a:rPr lang="en-US" sz="2000" dirty="0" err="1"/>
+              <a:t>Informasi</a:t>
+            </a:r>
+            <a:endParaRPr lang="en-US" sz="2000" dirty="0"/>
           </a:p>
           <a:p>
             <a:pPr lvl="1"/>
             <a:r>
-              <a:rPr lang="en-US" sz="2000"/>
-              <a:t>2014 – 2018, S1 UIN Jakarta – Teknik Informatika</a:t>
-            </a:r>
+              <a:rPr lang="en-US" sz="2000" dirty="0"/>
+              <a:t>2014 – 2018, S1 UIN Jakarta – Teknik </a:t>
+            </a:r>
+            <a:r>
+              <a:rPr lang="en-US" sz="2000" dirty="0" err="1"/>
+              <a:t>Informatika</a:t>
+            </a:r>
+            <a:endParaRPr lang="en-US" sz="2000" dirty="0"/>
           </a:p>
           <a:p>
             <a:pPr lvl="1"/>
             <a:r>
-              <a:rPr lang="en-US" sz="2000"/>
-              <a:t>2019 – 2023, S2 IPB – Ilmu Komputer</a:t>
-            </a:r>
-          </a:p>
-          <a:p>
-            <a:r>
-              <a:rPr lang="en-US" sz="2400"/>
-              <a:t>Bidang Keahlian</a:t>
-            </a:r>
+              <a:rPr lang="en-US" sz="2000" dirty="0"/>
+              <a:t>2019 – 2023, S2 IPB – </a:t>
+            </a:r>
+            <a:r>
+              <a:rPr lang="en-US" sz="2000" dirty="0" err="1"/>
+              <a:t>Ilmu</a:t>
+            </a:r>
+            <a:r>
+              <a:rPr lang="en-US" sz="2000" dirty="0"/>
+              <a:t> </a:t>
+            </a:r>
+            <a:r>
+              <a:rPr lang="en-US" sz="2000" dirty="0" err="1"/>
+              <a:t>Komputer</a:t>
+            </a:r>
+            <a:endParaRPr lang="en-US" sz="2000" dirty="0"/>
+          </a:p>
+          <a:p>
+            <a:r>
+              <a:rPr lang="en-US" sz="2400" dirty="0" err="1"/>
+              <a:t>Bidang</a:t>
+            </a:r>
+            <a:r>
+              <a:rPr lang="en-US" sz="2400" dirty="0"/>
+              <a:t> </a:t>
+            </a:r>
+            <a:r>
+              <a:rPr lang="en-US" sz="2400" dirty="0" err="1"/>
+              <a:t>Keahlian</a:t>
+            </a:r>
+            <a:endParaRPr lang="en-US" sz="2400" dirty="0"/>
           </a:p>
           <a:p>
             <a:pPr lvl="1"/>
             <a:r>
-              <a:rPr lang="en-US" sz="2000"/>
+              <a:rPr lang="en-US" sz="2000" dirty="0"/>
               <a:t>Software engineering, focus on backend developers</a:t>
             </a:r>
           </a:p>
           <a:p>
             <a:pPr lvl="1"/>
             <a:r>
-              <a:rPr lang="en-US" sz="2000"/>
+              <a:rPr lang="en-US" sz="2000" dirty="0"/>
               <a:t>Data Science, focus on data analyst. </a:t>
             </a:r>
           </a:p>
           <a:p>
             <a:r>
-              <a:rPr lang="en-US" sz="2400"/>
-              <a:t>Karya tulis ilmiyah</a:t>
-            </a:r>
+              <a:rPr lang="en-US" sz="2400" dirty="0" err="1"/>
+              <a:t>Karya</a:t>
+            </a:r>
+            <a:r>
+              <a:rPr lang="en-US" sz="2400" dirty="0"/>
+              <a:t> </a:t>
+            </a:r>
+            <a:r>
+              <a:rPr lang="en-US" sz="2400" dirty="0" err="1"/>
+              <a:t>tulis</a:t>
+            </a:r>
+            <a:r>
+              <a:rPr lang="en-US" sz="2400" dirty="0"/>
+              <a:t> </a:t>
+            </a:r>
+            <a:r>
+              <a:rPr lang="en-US" sz="2400" dirty="0" err="1"/>
+              <a:t>ilmiyah</a:t>
+            </a:r>
+            <a:endParaRPr lang="en-US" sz="2400" dirty="0"/>
           </a:p>
           <a:p>
             <a:pPr lvl="1"/>
             <a:r>
-              <a:rPr lang="en-ID" sz="1700"/>
-              <a:t>Alamsyah A, Shofi IM, Suseno HB. 2021. Prototipe Sistem Computer Based Test dengan Pengacakan Soal Menggunakan Metode Fisher Yates Shuffle. IPB: Jurnal Ilmu Komputer Agri-Informatika. eISSN: 2654-9735. pISSN: 2089-6026.</a:t>
+              <a:rPr lang="en-ID" sz="1700" dirty="0"/>
+              <a:t>Alamsyah A, </a:t>
+            </a:r>
+            <a:r>
+              <a:rPr lang="en-ID" sz="1700" dirty="0" err="1"/>
+              <a:t>Shofi</a:t>
+            </a:r>
+            <a:r>
+              <a:rPr lang="en-ID" sz="1700" dirty="0"/>
+              <a:t> IM, </a:t>
+            </a:r>
+            <a:r>
+              <a:rPr lang="en-ID" sz="1700" dirty="0" err="1"/>
+              <a:t>Suseno</a:t>
+            </a:r>
+            <a:r>
+              <a:rPr lang="en-ID" sz="1700" dirty="0"/>
+              <a:t> HB. 2021. </a:t>
+            </a:r>
+            <a:r>
+              <a:rPr lang="en-ID" sz="1700" dirty="0" err="1"/>
+              <a:t>Prototipe</a:t>
+            </a:r>
+            <a:r>
+              <a:rPr lang="en-ID" sz="1700" dirty="0"/>
+              <a:t> </a:t>
+            </a:r>
+            <a:r>
+              <a:rPr lang="en-ID" sz="1700" dirty="0" err="1"/>
+              <a:t>Sistem</a:t>
+            </a:r>
+            <a:r>
+              <a:rPr lang="en-ID" sz="1700" dirty="0"/>
+              <a:t> Computer Based Test </a:t>
+            </a:r>
+            <a:r>
+              <a:rPr lang="en-ID" sz="1700" dirty="0" err="1"/>
+              <a:t>dengan</a:t>
+            </a:r>
+            <a:r>
+              <a:rPr lang="en-ID" sz="1700" dirty="0"/>
+              <a:t> </a:t>
+            </a:r>
+            <a:r>
+              <a:rPr lang="en-ID" sz="1700" dirty="0" err="1"/>
+              <a:t>Pengacakan</a:t>
+            </a:r>
+            <a:r>
+              <a:rPr lang="en-ID" sz="1700" dirty="0"/>
+              <a:t> </a:t>
+            </a:r>
+            <a:r>
+              <a:rPr lang="en-ID" sz="1700" dirty="0" err="1"/>
+              <a:t>Soal</a:t>
+            </a:r>
+            <a:r>
+              <a:rPr lang="en-ID" sz="1700" dirty="0"/>
+              <a:t> </a:t>
+            </a:r>
+            <a:r>
+              <a:rPr lang="en-ID" sz="1700" dirty="0" err="1"/>
+              <a:t>Menggunakan</a:t>
+            </a:r>
+            <a:r>
+              <a:rPr lang="en-ID" sz="1700" dirty="0"/>
+              <a:t> </a:t>
+            </a:r>
+            <a:r>
+              <a:rPr lang="en-ID" sz="1700" dirty="0" err="1"/>
+              <a:t>Metode</a:t>
+            </a:r>
+            <a:r>
+              <a:rPr lang="en-ID" sz="1700" dirty="0"/>
+              <a:t> Fisher Yates Shuffle. IPB: </a:t>
+            </a:r>
+            <a:r>
+              <a:rPr lang="en-ID" sz="1700" dirty="0" err="1"/>
+              <a:t>Jurnal</a:t>
+            </a:r>
+            <a:r>
+              <a:rPr lang="en-ID" sz="1700" dirty="0"/>
+              <a:t> </a:t>
+            </a:r>
+            <a:r>
+              <a:rPr lang="en-ID" sz="1700" dirty="0" err="1"/>
+              <a:t>Ilmu</a:t>
+            </a:r>
+            <a:r>
+              <a:rPr lang="en-ID" sz="1700" dirty="0"/>
+              <a:t> </a:t>
+            </a:r>
+            <a:r>
+              <a:rPr lang="en-ID" sz="1700" dirty="0" err="1"/>
+              <a:t>Komputer</a:t>
+            </a:r>
+            <a:r>
+              <a:rPr lang="en-ID" sz="1700" dirty="0"/>
+              <a:t> Agri-</a:t>
+            </a:r>
+            <a:r>
+              <a:rPr lang="en-ID" sz="1700" dirty="0" err="1"/>
+              <a:t>Informatika</a:t>
+            </a:r>
+            <a:r>
+              <a:rPr lang="en-ID" sz="1700" dirty="0"/>
+              <a:t>. </a:t>
+            </a:r>
+            <a:r>
+              <a:rPr lang="en-ID" sz="1700" dirty="0" err="1"/>
+              <a:t>eISSN</a:t>
+            </a:r>
+            <a:r>
+              <a:rPr lang="en-ID" sz="1700" dirty="0"/>
+              <a:t>: 2654-9735. </a:t>
+            </a:r>
+            <a:r>
+              <a:rPr lang="en-ID" sz="1700" dirty="0" err="1"/>
+              <a:t>pISSN</a:t>
+            </a:r>
+            <a:r>
+              <a:rPr lang="en-ID" sz="1700" dirty="0"/>
+              <a:t>: 2089-6026.</a:t>
             </a:r>
           </a:p>
           <a:p>
             <a:pPr lvl="1"/>
             <a:r>
-              <a:rPr lang="en-ID" sz="1700"/>
-              <a:t>Buslim N, Rahmatullah IL, Setyawan BA, Alamsyah A. Comparing Bitcoin Prediction Model Using GRU, RNN, and LSTM by Hyperparameter Optimization GridSearch and RandomSearch. IEEE: International Conference on Cyber and IT Service Management. DOI: 10.1109/CITSM52892.2021.9588947.</a:t>
+              <a:rPr lang="en-ID" sz="1700" dirty="0" err="1"/>
+              <a:t>Buslim</a:t>
+            </a:r>
+            <a:r>
+              <a:rPr lang="en-ID" sz="1700" dirty="0"/>
+              <a:t> N, </a:t>
+            </a:r>
+            <a:r>
+              <a:rPr lang="en-ID" sz="1700" dirty="0" err="1"/>
+              <a:t>Rahmatullah</a:t>
+            </a:r>
+            <a:r>
+              <a:rPr lang="en-ID" sz="1700" dirty="0"/>
+              <a:t> IL, </a:t>
+            </a:r>
+            <a:r>
+              <a:rPr lang="en-ID" sz="1700" dirty="0" err="1"/>
+              <a:t>Setyawan</a:t>
+            </a:r>
+            <a:r>
+              <a:rPr lang="en-ID" sz="1700" dirty="0"/>
+              <a:t> BA, Alamsyah A. Comparing Bitcoin Prediction Model Using GRU, RNN, and LSTM by Hyperparameter Optimization </a:t>
+            </a:r>
+            <a:r>
+              <a:rPr lang="en-ID" sz="1700" dirty="0" err="1"/>
+              <a:t>GridSearch</a:t>
+            </a:r>
+            <a:r>
+              <a:rPr lang="en-ID" sz="1700" dirty="0"/>
+              <a:t> and </a:t>
+            </a:r>
+            <a:r>
+              <a:rPr lang="en-ID" sz="1700" dirty="0" err="1"/>
+              <a:t>RandomSearch</a:t>
+            </a:r>
+            <a:r>
+              <a:rPr lang="en-ID" sz="1700" dirty="0"/>
+              <a:t>. IEEE: International Conference on Cyber and IT Service Management. DOI: 10.1109/CITSM52892.2021.9588947.</a:t>
             </a:r>
           </a:p>
           <a:p>
             <a:pPr lvl="1"/>
             <a:r>
-              <a:rPr lang="en-ID" sz="1700"/>
-              <a:t>Alamsyah A, Sitanggang IS, Annisa, Mushthofa. Predictions of Hotspot With Rainfall and ENSO Factor Using LSTM-RNN Algorithm. UIN: Jurnal Teknik Informatika. (in review)</a:t>
+              <a:rPr lang="en-ID" sz="1700" dirty="0"/>
+              <a:t>Alamsyah A, </a:t>
+            </a:r>
+            <a:r>
+              <a:rPr lang="en-ID" sz="1700" dirty="0" err="1"/>
+              <a:t>Sitanggang</a:t>
+            </a:r>
+            <a:r>
+              <a:rPr lang="en-ID" sz="1700" dirty="0"/>
+              <a:t> IS, </a:t>
+            </a:r>
+            <a:r>
+              <a:rPr lang="en-ID" sz="1700" dirty="0" err="1"/>
+              <a:t>Annisa</a:t>
+            </a:r>
+            <a:r>
+              <a:rPr lang="en-ID" sz="1700" dirty="0"/>
+              <a:t>, </a:t>
+            </a:r>
+            <a:r>
+              <a:rPr lang="en-ID" sz="1700" dirty="0" err="1"/>
+              <a:t>Mushthofa</a:t>
+            </a:r>
+            <a:r>
+              <a:rPr lang="en-ID" sz="1700" dirty="0"/>
+              <a:t>. Predictions of Hotspot With Rainfall and ENSO Factor Using LSTM-RNN Algorithm. UIN: </a:t>
+            </a:r>
+            <a:r>
+              <a:rPr lang="en-ID" sz="1700" dirty="0" err="1"/>
+              <a:t>Jurnal</a:t>
+            </a:r>
+            <a:r>
+              <a:rPr lang="en-ID" sz="1700" dirty="0"/>
+              <a:t> Teknik </a:t>
+            </a:r>
+            <a:r>
+              <a:rPr lang="en-ID" sz="1700" dirty="0" err="1"/>
+              <a:t>Informatika</a:t>
+            </a:r>
+            <a:r>
+              <a:rPr lang="en-ID" sz="1700" dirty="0"/>
+              <a:t>. (in review)</a:t>
             </a:r>
           </a:p>
           <a:p>
             <a:pPr lvl="1"/>
-            <a:endParaRPr lang="en-ID" sz="2000"/>
+            <a:endParaRPr lang="en-ID" sz="2000" dirty="0"/>
           </a:p>
         </p:txBody>
       </p:sp>
@@ -6573,10 +6866,18 @@
           <a:lstStyle/>
           <a:p>
             <a:r>
-              <a:rPr lang="en-US" sz="4000"/>
-              <a:t>Sekilas data pribadi</a:t>
-            </a:r>
-            <a:endParaRPr lang="en-ID" sz="4000"/>
+              <a:rPr lang="en-US" sz="4000" dirty="0" err="1"/>
+              <a:t>Sekilas</a:t>
+            </a:r>
+            <a:r>
+              <a:rPr lang="en-US" sz="4000" dirty="0"/>
+              <a:t> data </a:t>
+            </a:r>
+            <a:r>
+              <a:rPr lang="en-US" sz="4000" dirty="0" err="1"/>
+              <a:t>pribadi</a:t>
+            </a:r>
+            <a:endParaRPr lang="en-ID" sz="4000" dirty="0"/>
           </a:p>
         </p:txBody>
       </p:sp>
@@ -8633,10 +8934,10 @@
           <a:lstStyle/>
           <a:p>
             <a:r>
-              <a:rPr lang="en-US" sz="4000"/>
+              <a:rPr lang="en-US" sz="4000" dirty="0"/>
               <a:t>Data Engineering vs Data Analyst</a:t>
             </a:r>
-            <a:endParaRPr lang="en-ID" sz="4000"/>
+            <a:endParaRPr lang="en-ID" sz="4000" dirty="0"/>
           </a:p>
         </p:txBody>
       </p:sp>
@@ -8730,7 +9031,7 @@
           <a:lstStyle/>
           <a:p>
             <a:r>
-              <a:rPr lang="en-US" sz="2200"/>
+              <a:rPr lang="en-US" sz="2200" dirty="0"/>
               <a:t>Data Engineer</a:t>
             </a:r>
           </a:p>
@@ -8740,8 +9041,28 @@
               <a:buChar char="•"/>
             </a:pPr>
             <a:r>
-              <a:rPr lang="en-US" sz="2200"/>
-              <a:t>Merancang, membangun dan infrastuktur data </a:t>
+              <a:rPr lang="en-US" sz="2200" dirty="0" err="1"/>
+              <a:t>Merancang</a:t>
+            </a:r>
+            <a:r>
+              <a:rPr lang="en-US" sz="2200" dirty="0"/>
+              <a:t>, </a:t>
+            </a:r>
+            <a:r>
+              <a:rPr lang="en-US" sz="2200" dirty="0" err="1"/>
+              <a:t>membangun</a:t>
+            </a:r>
+            <a:r>
+              <a:rPr lang="en-US" sz="2200" dirty="0"/>
+              <a:t> dan </a:t>
+            </a:r>
+            <a:r>
+              <a:rPr lang="en-US" sz="2200" dirty="0" err="1"/>
+              <a:t>infrastuktur</a:t>
+            </a:r>
+            <a:r>
+              <a:rPr lang="en-US" sz="2200" dirty="0"/>
+              <a:t> data </a:t>
             </a:r>
           </a:p>
           <a:p>
@@ -8750,8 +9071,20 @@
               <a:buChar char="•"/>
             </a:pPr>
             <a:r>
-              <a:rPr lang="en-US" sz="2200"/>
-              <a:t>Mencari data dan mengumpulkan data</a:t>
+              <a:rPr lang="en-US" sz="2200" dirty="0" err="1"/>
+              <a:t>Mencari</a:t>
+            </a:r>
+            <a:r>
+              <a:rPr lang="en-US" sz="2200" dirty="0"/>
+              <a:t> data dan </a:t>
+            </a:r>
+            <a:r>
+              <a:rPr lang="en-US" sz="2200" dirty="0" err="1"/>
+              <a:t>mengumpulkan</a:t>
+            </a:r>
+            <a:r>
+              <a:rPr lang="en-US" sz="2200" dirty="0"/>
+              <a:t> data</a:t>
             </a:r>
           </a:p>
           <a:p>
@@ -8760,8 +9093,12 @@
               <a:buChar char="•"/>
             </a:pPr>
             <a:r>
-              <a:rPr lang="en-US" sz="2200"/>
-              <a:t>Melakukan preprocessing data</a:t>
+              <a:rPr lang="en-US" sz="2200" dirty="0" err="1"/>
+              <a:t>Melakukan</a:t>
+            </a:r>
+            <a:r>
+              <a:rPr lang="en-US" sz="2200" dirty="0"/>
+              <a:t> preprocessing data</a:t>
             </a:r>
           </a:p>
           <a:p>
@@ -8770,8 +9107,12 @@
               <a:buChar char="•"/>
             </a:pPr>
             <a:r>
-              <a:rPr lang="en-US" sz="2200"/>
-              <a:t>Periksa missing value, noise data</a:t>
+              <a:rPr lang="en-US" sz="2200" dirty="0" err="1"/>
+              <a:t>Periksa</a:t>
+            </a:r>
+            <a:r>
+              <a:rPr lang="en-US" sz="2200" dirty="0"/>
+              <a:t> missing value, noise data</a:t>
             </a:r>
           </a:p>
           <a:p>
@@ -8780,8 +9121,12 @@
               <a:buChar char="•"/>
             </a:pPr>
             <a:r>
-              <a:rPr lang="en-US" sz="2200"/>
-              <a:t>Pembersihan data</a:t>
+              <a:rPr lang="en-US" sz="2200" dirty="0" err="1"/>
+              <a:t>Pembersihan</a:t>
+            </a:r>
+            <a:r>
+              <a:rPr lang="en-US" sz="2200" dirty="0"/>
+              <a:t> data</a:t>
             </a:r>
           </a:p>
           <a:p>
@@ -8790,8 +9135,12 @@
               <a:buChar char="•"/>
             </a:pPr>
             <a:r>
-              <a:rPr lang="en-US" sz="2200"/>
-              <a:t>Reduksi data</a:t>
+              <a:rPr lang="en-US" sz="2200" dirty="0" err="1"/>
+              <a:t>Reduksi</a:t>
+            </a:r>
+            <a:r>
+              <a:rPr lang="en-US" sz="2200" dirty="0"/>
+              <a:t> data</a:t>
             </a:r>
           </a:p>
           <a:p>
@@ -8800,8 +9149,12 @@
               <a:buChar char="•"/>
             </a:pPr>
             <a:r>
-              <a:rPr lang="en-US" sz="2200"/>
-              <a:t>Transformasi data</a:t>
+              <a:rPr lang="en-US" sz="2200" dirty="0" err="1"/>
+              <a:t>Transformasi</a:t>
+            </a:r>
+            <a:r>
+              <a:rPr lang="en-US" sz="2200" dirty="0"/>
+              <a:t> data</a:t>
             </a:r>
           </a:p>
           <a:p>
@@ -8810,9 +9163,10 @@
               <a:buChar char="•"/>
             </a:pPr>
             <a:r>
-              <a:rPr lang="en-US" sz="2200"/>
+              <a:rPr lang="en-US" sz="2200" dirty="0" err="1"/>
               <a:t>dll</a:t>
             </a:r>
+            <a:endParaRPr lang="en-US" sz="2200" dirty="0"/>
           </a:p>
           <a:p>
             <a:pPr marL="285750" indent="-285750">
@@ -8820,8 +9174,24 @@
               <a:buChar char="•"/>
             </a:pPr>
             <a:r>
-              <a:rPr lang="en-US" sz="2200"/>
-              <a:t>SQL, NoSQL, Hadop, MapReduce, Hive, Pig, ETL, Cloud Computing, Java, Python, dll.</a:t>
+              <a:rPr lang="en-US" sz="2200" dirty="0"/>
+              <a:t>SQL, NoSQL, </a:t>
+            </a:r>
+            <a:r>
+              <a:rPr lang="en-US" sz="2200" dirty="0" err="1"/>
+              <a:t>Hadop</a:t>
+            </a:r>
+            <a:r>
+              <a:rPr lang="en-US" sz="2200" dirty="0"/>
+              <a:t>, MapReduce, Hive, Pig, ETL, Cloud Computing, Java, Python, </a:t>
+            </a:r>
+            <a:r>
+              <a:rPr lang="en-US" sz="2200" dirty="0" err="1"/>
+              <a:t>dll</a:t>
+            </a:r>
+            <a:r>
+              <a:rPr lang="en-US" sz="2200" dirty="0"/>
+              <a:t>.</a:t>
             </a:r>
           </a:p>
           <a:p>
@@ -8830,8 +9200,28 @@
               <a:buChar char="•"/>
             </a:pPr>
             <a:r>
-              <a:rPr lang="en-US" sz="2200"/>
-              <a:t>Paham arsitektur data dan membuat data</a:t>
+              <a:rPr lang="en-US" sz="2200" dirty="0" err="1"/>
+              <a:t>Paham</a:t>
+            </a:r>
+            <a:r>
+              <a:rPr lang="en-US" sz="2200" dirty="0"/>
+              <a:t> </a:t>
+            </a:r>
+            <a:r>
+              <a:rPr lang="en-US" sz="2200" dirty="0" err="1"/>
+              <a:t>arsitektur</a:t>
+            </a:r>
+            <a:r>
+              <a:rPr lang="en-US" sz="2200" dirty="0"/>
+              <a:t> data dan </a:t>
+            </a:r>
+            <a:r>
+              <a:rPr lang="en-US" sz="2200" dirty="0" err="1"/>
+              <a:t>membuat</a:t>
+            </a:r>
+            <a:r>
+              <a:rPr lang="en-US" sz="2200" dirty="0"/>
+              <a:t> data</a:t>
             </a:r>
           </a:p>
         </p:txBody>
@@ -8865,9 +9255,14 @@
           <a:lstStyle/>
           <a:p>
             <a:r>
-              <a:rPr lang="en-US" sz="2200"/>
-              <a:t>Data Analys</a:t>
-            </a:r>
+              <a:rPr lang="en-US" sz="2200" dirty="0"/>
+              <a:t>Data </a:t>
+            </a:r>
+            <a:r>
+              <a:rPr lang="en-US" sz="2200" dirty="0" err="1"/>
+              <a:t>Analys</a:t>
+            </a:r>
+            <a:endParaRPr lang="en-US" sz="2200" dirty="0"/>
           </a:p>
           <a:p>
             <a:pPr marL="285750" indent="-285750">
@@ -8875,8 +9270,28 @@
               <a:buChar char="•"/>
             </a:pPr>
             <a:r>
-              <a:rPr lang="en-US" sz="2200"/>
-              <a:t>Mencari pola-pola tersembunyi pada data</a:t>
+              <a:rPr lang="en-US" sz="2200" dirty="0" err="1"/>
+              <a:t>Mencari</a:t>
+            </a:r>
+            <a:r>
+              <a:rPr lang="en-US" sz="2200" dirty="0"/>
+              <a:t> </a:t>
+            </a:r>
+            <a:r>
+              <a:rPr lang="en-US" sz="2200" dirty="0" err="1"/>
+              <a:t>pola-pola</a:t>
+            </a:r>
+            <a:r>
+              <a:rPr lang="en-US" sz="2200" dirty="0"/>
+              <a:t> </a:t>
+            </a:r>
+            <a:r>
+              <a:rPr lang="en-US" sz="2200" dirty="0" err="1"/>
+              <a:t>tersembunyi</a:t>
+            </a:r>
+            <a:r>
+              <a:rPr lang="en-US" sz="2200" dirty="0"/>
+              <a:t> pada data</a:t>
             </a:r>
           </a:p>
           <a:p>
@@ -8885,8 +9300,28 @@
               <a:buChar char="•"/>
             </a:pPr>
             <a:r>
-              <a:rPr lang="en-US" sz="2200"/>
-              <a:t>Memeriksa validitas sebuah data</a:t>
+              <a:rPr lang="en-US" sz="2200" dirty="0" err="1"/>
+              <a:t>Memeriksa</a:t>
+            </a:r>
+            <a:r>
+              <a:rPr lang="en-US" sz="2200" dirty="0"/>
+              <a:t> </a:t>
+            </a:r>
+            <a:r>
+              <a:rPr lang="en-US" sz="2200" dirty="0" err="1"/>
+              <a:t>validitas</a:t>
+            </a:r>
+            <a:r>
+              <a:rPr lang="en-US" sz="2200" dirty="0"/>
+              <a:t> </a:t>
+            </a:r>
+            <a:r>
+              <a:rPr lang="en-US" sz="2200" dirty="0" err="1"/>
+              <a:t>sebuah</a:t>
+            </a:r>
+            <a:r>
+              <a:rPr lang="en-US" sz="2200" dirty="0"/>
+              <a:t> data</a:t>
             </a:r>
           </a:p>
           <a:p>
@@ -8895,8 +9330,28 @@
               <a:buChar char="•"/>
             </a:pPr>
             <a:r>
-              <a:rPr lang="en-US" sz="2200"/>
-              <a:t>Menerapkan teknik analisa data</a:t>
+              <a:rPr lang="en-US" sz="2200" dirty="0" err="1"/>
+              <a:t>Menerapkan</a:t>
+            </a:r>
+            <a:r>
+              <a:rPr lang="en-US" sz="2200" dirty="0"/>
+              <a:t> </a:t>
+            </a:r>
+            <a:r>
+              <a:rPr lang="en-US" sz="2200" dirty="0" err="1"/>
+              <a:t>teknik</a:t>
+            </a:r>
+            <a:r>
+              <a:rPr lang="en-US" sz="2200" dirty="0"/>
+              <a:t> </a:t>
+            </a:r>
+            <a:r>
+              <a:rPr lang="en-US" sz="2200" dirty="0" err="1"/>
+              <a:t>analisa</a:t>
+            </a:r>
+            <a:r>
+              <a:rPr lang="en-US" sz="2200" dirty="0"/>
+              <a:t> data</a:t>
             </a:r>
           </a:p>
           <a:p>
@@ -8905,9 +9360,10 @@
               <a:buChar char="•"/>
             </a:pPr>
             <a:r>
-              <a:rPr lang="en-US" sz="2200"/>
+              <a:rPr lang="en-US" sz="2200" dirty="0" err="1"/>
               <a:t>Klasifikasi</a:t>
             </a:r>
+            <a:endParaRPr lang="en-US" sz="2200" dirty="0"/>
           </a:p>
           <a:p>
             <a:pPr marL="742950" lvl="1" indent="-285750">
@@ -8915,9 +9371,10 @@
               <a:buChar char="•"/>
             </a:pPr>
             <a:r>
-              <a:rPr lang="en-US" sz="2200"/>
+              <a:rPr lang="en-US" sz="2200" dirty="0" err="1"/>
               <a:t>Klastering</a:t>
             </a:r>
+            <a:endParaRPr lang="en-US" sz="2200" dirty="0"/>
           </a:p>
           <a:p>
             <a:pPr marL="742950" lvl="1" indent="-285750">
@@ -8925,9 +9382,10 @@
               <a:buChar char="•"/>
             </a:pPr>
             <a:r>
-              <a:rPr lang="en-US" sz="2200"/>
+              <a:rPr lang="en-US" sz="2200" dirty="0" err="1"/>
               <a:t>Prediksi</a:t>
             </a:r>
+            <a:endParaRPr lang="en-US" sz="2200" dirty="0"/>
           </a:p>
           <a:p>
             <a:pPr marL="742950" lvl="1" indent="-285750">
@@ -8935,9 +9393,10 @@
               <a:buChar char="•"/>
             </a:pPr>
             <a:r>
-              <a:rPr lang="en-US" sz="2200"/>
+              <a:rPr lang="en-US" sz="2200" dirty="0" err="1"/>
               <a:t>Asosiasi</a:t>
             </a:r>
+            <a:endParaRPr lang="en-US" sz="2200" dirty="0"/>
           </a:p>
           <a:p>
             <a:pPr marL="742950" lvl="1" indent="-285750">
@@ -8945,9 +9404,10 @@
               <a:buChar char="•"/>
             </a:pPr>
             <a:r>
-              <a:rPr lang="en-US" sz="2200"/>
+              <a:rPr lang="en-US" sz="2200" dirty="0" err="1"/>
               <a:t>Visualisasi</a:t>
             </a:r>
+            <a:endParaRPr lang="en-US" sz="2200" dirty="0"/>
           </a:p>
           <a:p>
             <a:pPr marL="285750" indent="-285750">
@@ -8955,8 +9415,56 @@
               <a:buChar char="•"/>
             </a:pPr>
             <a:r>
-              <a:rPr lang="en-US" sz="2200"/>
-              <a:t>Ai, ML, DL, MS Excel, SPSS, Matlab, JupyterLab, Rstudio, Tensorflow, Sklearn, Matplotlib, dll.</a:t>
+              <a:rPr lang="en-US" sz="2200" dirty="0"/>
+              <a:t>Ai, ML, DL, MS Excel, SPSS, </a:t>
+            </a:r>
+            <a:r>
+              <a:rPr lang="en-US" sz="2200" dirty="0" err="1"/>
+              <a:t>Matlab</a:t>
+            </a:r>
+            <a:r>
+              <a:rPr lang="en-US" sz="2200" dirty="0"/>
+              <a:t>, </a:t>
+            </a:r>
+            <a:r>
+              <a:rPr lang="en-US" sz="2200" dirty="0" err="1"/>
+              <a:t>JupyterLab</a:t>
+            </a:r>
+            <a:r>
+              <a:rPr lang="en-US" sz="2200" dirty="0"/>
+              <a:t>, </a:t>
+            </a:r>
+            <a:r>
+              <a:rPr lang="en-US" sz="2200" dirty="0" err="1"/>
+              <a:t>Rstudio</a:t>
+            </a:r>
+            <a:r>
+              <a:rPr lang="en-US" sz="2200" dirty="0"/>
+              <a:t>, </a:t>
+            </a:r>
+            <a:r>
+              <a:rPr lang="en-US" sz="2200" dirty="0" err="1"/>
+              <a:t>Tensorflow</a:t>
+            </a:r>
+            <a:r>
+              <a:rPr lang="en-US" sz="2200" dirty="0"/>
+              <a:t>, </a:t>
+            </a:r>
+            <a:r>
+              <a:rPr lang="en-US" sz="2200" dirty="0" err="1"/>
+              <a:t>Sklearn</a:t>
+            </a:r>
+            <a:r>
+              <a:rPr lang="en-US" sz="2200" dirty="0"/>
+              <a:t>, Matplotlib, </a:t>
+            </a:r>
+            <a:r>
+              <a:rPr lang="en-US" sz="2200" dirty="0" err="1"/>
+              <a:t>dll</a:t>
+            </a:r>
+            <a:r>
+              <a:rPr lang="en-US" sz="2200" dirty="0"/>
+              <a:t>.</a:t>
             </a:r>
           </a:p>
           <a:p>
@@ -8965,8 +9473,28 @@
               <a:buChar char="•"/>
             </a:pPr>
             <a:r>
-              <a:rPr lang="en-US" sz="2200"/>
-              <a:t>Paham statistik dan penerapan algoritma Ai</a:t>
+              <a:rPr lang="en-US" sz="2200" dirty="0" err="1"/>
+              <a:t>Paham</a:t>
+            </a:r>
+            <a:r>
+              <a:rPr lang="en-US" sz="2200" dirty="0"/>
+              <a:t> </a:t>
+            </a:r>
+            <a:r>
+              <a:rPr lang="en-US" sz="2200" dirty="0" err="1"/>
+              <a:t>statistik</a:t>
+            </a:r>
+            <a:r>
+              <a:rPr lang="en-US" sz="2200" dirty="0"/>
+              <a:t> dan </a:t>
+            </a:r>
+            <a:r>
+              <a:rPr lang="en-US" sz="2200" dirty="0" err="1"/>
+              <a:t>penerapan</a:t>
+            </a:r>
+            <a:r>
+              <a:rPr lang="en-US" sz="2200" dirty="0"/>
+              <a:t> algoritma Ai</a:t>
             </a:r>
           </a:p>
         </p:txBody>

--- a/PPT Pelatihan Visualisasi Data.pptx
+++ b/PPT Pelatihan Visualisasi Data.pptx
@@ -285,7 +285,7 @@
           <a:p>
             <a:fld id="{BE92F6E7-F729-4374-97AF-6621FCBEC648}" type="datetimeFigureOut">
               <a:rPr lang="en-ID" smtClean="0"/>
-              <a:t>21/03/2024</a:t>
+              <a:t>28/03/2024</a:t>
             </a:fld>
             <a:endParaRPr lang="en-ID"/>
           </a:p>
@@ -485,7 +485,7 @@
           <a:p>
             <a:fld id="{BE92F6E7-F729-4374-97AF-6621FCBEC648}" type="datetimeFigureOut">
               <a:rPr lang="en-ID" smtClean="0"/>
-              <a:t>21/03/2024</a:t>
+              <a:t>28/03/2024</a:t>
             </a:fld>
             <a:endParaRPr lang="en-ID"/>
           </a:p>
@@ -695,7 +695,7 @@
           <a:p>
             <a:fld id="{BE92F6E7-F729-4374-97AF-6621FCBEC648}" type="datetimeFigureOut">
               <a:rPr lang="en-ID" smtClean="0"/>
-              <a:t>21/03/2024</a:t>
+              <a:t>28/03/2024</a:t>
             </a:fld>
             <a:endParaRPr lang="en-ID"/>
           </a:p>
@@ -895,7 +895,7 @@
           <a:p>
             <a:fld id="{BE92F6E7-F729-4374-97AF-6621FCBEC648}" type="datetimeFigureOut">
               <a:rPr lang="en-ID" smtClean="0"/>
-              <a:t>21/03/2024</a:t>
+              <a:t>28/03/2024</a:t>
             </a:fld>
             <a:endParaRPr lang="en-ID"/>
           </a:p>
@@ -1171,7 +1171,7 @@
           <a:p>
             <a:fld id="{BE92F6E7-F729-4374-97AF-6621FCBEC648}" type="datetimeFigureOut">
               <a:rPr lang="en-ID" smtClean="0"/>
-              <a:t>21/03/2024</a:t>
+              <a:t>28/03/2024</a:t>
             </a:fld>
             <a:endParaRPr lang="en-ID"/>
           </a:p>
@@ -1439,7 +1439,7 @@
           <a:p>
             <a:fld id="{BE92F6E7-F729-4374-97AF-6621FCBEC648}" type="datetimeFigureOut">
               <a:rPr lang="en-ID" smtClean="0"/>
-              <a:t>21/03/2024</a:t>
+              <a:t>28/03/2024</a:t>
             </a:fld>
             <a:endParaRPr lang="en-ID"/>
           </a:p>
@@ -1854,7 +1854,7 @@
           <a:p>
             <a:fld id="{BE92F6E7-F729-4374-97AF-6621FCBEC648}" type="datetimeFigureOut">
               <a:rPr lang="en-ID" smtClean="0"/>
-              <a:t>21/03/2024</a:t>
+              <a:t>28/03/2024</a:t>
             </a:fld>
             <a:endParaRPr lang="en-ID"/>
           </a:p>
@@ -1996,7 +1996,7 @@
           <a:p>
             <a:fld id="{BE92F6E7-F729-4374-97AF-6621FCBEC648}" type="datetimeFigureOut">
               <a:rPr lang="en-ID" smtClean="0"/>
-              <a:t>21/03/2024</a:t>
+              <a:t>28/03/2024</a:t>
             </a:fld>
             <a:endParaRPr lang="en-ID"/>
           </a:p>
@@ -2109,7 +2109,7 @@
           <a:p>
             <a:fld id="{BE92F6E7-F729-4374-97AF-6621FCBEC648}" type="datetimeFigureOut">
               <a:rPr lang="en-ID" smtClean="0"/>
-              <a:t>21/03/2024</a:t>
+              <a:t>28/03/2024</a:t>
             </a:fld>
             <a:endParaRPr lang="en-ID"/>
           </a:p>
@@ -2422,7 +2422,7 @@
           <a:p>
             <a:fld id="{BE92F6E7-F729-4374-97AF-6621FCBEC648}" type="datetimeFigureOut">
               <a:rPr lang="en-ID" smtClean="0"/>
-              <a:t>21/03/2024</a:t>
+              <a:t>28/03/2024</a:t>
             </a:fld>
             <a:endParaRPr lang="en-ID"/>
           </a:p>
@@ -2711,7 +2711,7 @@
           <a:p>
             <a:fld id="{BE92F6E7-F729-4374-97AF-6621FCBEC648}" type="datetimeFigureOut">
               <a:rPr lang="en-ID" smtClean="0"/>
-              <a:t>21/03/2024</a:t>
+              <a:t>28/03/2024</a:t>
             </a:fld>
             <a:endParaRPr lang="en-ID"/>
           </a:p>
@@ -2954,7 +2954,7 @@
           <a:p>
             <a:fld id="{BE92F6E7-F729-4374-97AF-6621FCBEC648}" type="datetimeFigureOut">
               <a:rPr lang="en-ID" smtClean="0"/>
-              <a:t>21/03/2024</a:t>
+              <a:t>28/03/2024</a:t>
             </a:fld>
             <a:endParaRPr lang="en-ID"/>
           </a:p>
@@ -8074,10 +8074,10 @@
           <a:lstStyle/>
           <a:p>
             <a:r>
-              <a:rPr lang="en-US" sz="4000"/>
+              <a:rPr lang="en-US" sz="4000" dirty="0"/>
               <a:t>Data Science (DS)</a:t>
             </a:r>
-            <a:endParaRPr lang="en-ID" sz="4000"/>
+            <a:endParaRPr lang="en-ID" sz="4000" dirty="0"/>
           </a:p>
         </p:txBody>
       </p:sp>
@@ -8207,8 +8207,20 @@
           <a:lstStyle/>
           <a:p>
             <a:r>
-              <a:rPr lang="en-US"/>
-              <a:t>Bidang Keahilan DS</a:t>
+              <a:rPr lang="en-US" dirty="0" err="1"/>
+              <a:t>Bidang</a:t>
+            </a:r>
+            <a:r>
+              <a:rPr lang="en-US" dirty="0"/>
+              <a:t> </a:t>
+            </a:r>
+            <a:r>
+              <a:rPr lang="en-US" dirty="0" err="1"/>
+              <a:t>Keahilan</a:t>
+            </a:r>
+            <a:r>
+              <a:rPr lang="en-US" dirty="0"/>
+              <a:t> DS</a:t>
             </a:r>
           </a:p>
           <a:p>
@@ -8217,7 +8229,7 @@
               <a:buChar char="•"/>
             </a:pPr>
             <a:r>
-              <a:rPr lang="en-US"/>
+              <a:rPr lang="en-US" dirty="0"/>
               <a:t>Data Engineering</a:t>
             </a:r>
           </a:p>
@@ -8227,7 +8239,7 @@
               <a:buChar char="•"/>
             </a:pPr>
             <a:r>
-              <a:rPr lang="en-US"/>
+              <a:rPr lang="en-US" dirty="0"/>
               <a:t>Data Analyst</a:t>
             </a:r>
           </a:p>
@@ -8262,8 +8274,16 @@
           <a:lstStyle/>
           <a:p>
             <a:r>
-              <a:rPr lang="en-US"/>
-              <a:t>Ilmu Komputer</a:t>
+              <a:rPr lang="en-US" dirty="0" err="1"/>
+              <a:t>Ilmu</a:t>
+            </a:r>
+            <a:r>
+              <a:rPr lang="en-US" dirty="0"/>
+              <a:t> </a:t>
+            </a:r>
+            <a:r>
+              <a:rPr lang="en-US" dirty="0" err="1"/>
+              <a:t>Komputer</a:t>
             </a:r>
             <a:endParaRPr lang="en-US" dirty="0"/>
           </a:p>
@@ -8273,9 +8293,18 @@
               <a:buChar char="•"/>
             </a:pPr>
             <a:r>
-              <a:rPr lang="en-US"/>
-              <a:t>Algoritma &amp; Pemrograman</a:t>
-            </a:r>
+              <a:rPr lang="en-US" dirty="0" err="1"/>
+              <a:t>Algoritma</a:t>
+            </a:r>
+            <a:r>
+              <a:rPr lang="en-US" dirty="0"/>
+              <a:t> &amp; </a:t>
+            </a:r>
+            <a:r>
+              <a:rPr lang="en-US" dirty="0" err="1"/>
+              <a:t>Pemrograman</a:t>
+            </a:r>
+            <a:endParaRPr lang="en-US" dirty="0"/>
           </a:p>
           <a:p>
             <a:pPr marL="285750" indent="-285750">
@@ -8283,10 +8312,21 @@
               <a:buChar char="•"/>
             </a:pPr>
             <a:r>
-              <a:rPr lang="en-US"/>
-              <a:t>Kecerdasan Buatan (Ai)</a:t>
-            </a:r>
-            <a:endParaRPr lang="en-US" dirty="0"/>
+              <a:rPr lang="en-US" dirty="0" err="1"/>
+              <a:t>Kecerdasan</a:t>
+            </a:r>
+            <a:r>
+              <a:rPr lang="en-US" dirty="0"/>
+              <a:t> </a:t>
+            </a:r>
+            <a:r>
+              <a:rPr lang="en-US" dirty="0" err="1"/>
+              <a:t>Buatan</a:t>
+            </a:r>
+            <a:r>
+              <a:rPr lang="en-US" dirty="0"/>
+              <a:t> (Ai)</a:t>
+            </a:r>
           </a:p>
           <a:p>
             <a:pPr marL="285750" indent="-285750">
@@ -8294,10 +8334,13 @@
               <a:buChar char="•"/>
             </a:pPr>
             <a:r>
-              <a:rPr lang="en-US"/>
-              <a:t>Teknologi Big Data</a:t>
-            </a:r>
-            <a:endParaRPr lang="en-US" dirty="0"/>
+              <a:rPr lang="en-US" dirty="0" err="1"/>
+              <a:t>Teknologi</a:t>
+            </a:r>
+            <a:r>
+              <a:rPr lang="en-US" dirty="0"/>
+              <a:t> Big Data</a:t>
+            </a:r>
           </a:p>
         </p:txBody>
       </p:sp>
@@ -8330,8 +8373,16 @@
           <a:lstStyle/>
           <a:p>
             <a:r>
-              <a:rPr lang="en-US"/>
-              <a:t>Ilmu Bisnis</a:t>
+              <a:rPr lang="en-US" dirty="0" err="1"/>
+              <a:t>Ilmu</a:t>
+            </a:r>
+            <a:r>
+              <a:rPr lang="en-US" dirty="0"/>
+              <a:t> </a:t>
+            </a:r>
+            <a:r>
+              <a:rPr lang="en-US" dirty="0" err="1"/>
+              <a:t>Bisnis</a:t>
             </a:r>
             <a:endParaRPr lang="en-US" dirty="0"/>
           </a:p>
@@ -8341,8 +8392,16 @@
               <a:buChar char="•"/>
             </a:pPr>
             <a:r>
-              <a:rPr lang="en-US"/>
-              <a:t>Sistem Pakar</a:t>
+              <a:rPr lang="en-US" dirty="0" err="1"/>
+              <a:t>Sistem</a:t>
+            </a:r>
+            <a:r>
+              <a:rPr lang="en-US" dirty="0"/>
+              <a:t> </a:t>
+            </a:r>
+            <a:r>
+              <a:rPr lang="en-US" dirty="0" err="1"/>
+              <a:t>Pakar</a:t>
             </a:r>
             <a:endParaRPr lang="en-US" dirty="0"/>
           </a:p>
@@ -8352,8 +8411,24 @@
               <a:buChar char="•"/>
             </a:pPr>
             <a:r>
-              <a:rPr lang="en-US"/>
-              <a:t>Sistem Penunjang Keputsan</a:t>
+              <a:rPr lang="en-US" dirty="0" err="1"/>
+              <a:t>Sistem</a:t>
+            </a:r>
+            <a:r>
+              <a:rPr lang="en-US" dirty="0"/>
+              <a:t> </a:t>
+            </a:r>
+            <a:r>
+              <a:rPr lang="en-US" dirty="0" err="1"/>
+              <a:t>Penunjang</a:t>
+            </a:r>
+            <a:r>
+              <a:rPr lang="en-US" dirty="0"/>
+              <a:t> </a:t>
+            </a:r>
+            <a:r>
+              <a:rPr lang="en-US" dirty="0" err="1"/>
+              <a:t>Keputsan</a:t>
             </a:r>
             <a:endParaRPr lang="en-US" dirty="0"/>
           </a:p>
@@ -8363,8 +8438,16 @@
               <a:buChar char="•"/>
             </a:pPr>
             <a:r>
-              <a:rPr lang="en-US"/>
-              <a:t>Manajemen Pengetahuan</a:t>
+              <a:rPr lang="en-US" dirty="0" err="1"/>
+              <a:t>Manajemen</a:t>
+            </a:r>
+            <a:r>
+              <a:rPr lang="en-US" dirty="0"/>
+              <a:t> </a:t>
+            </a:r>
+            <a:r>
+              <a:rPr lang="en-US" dirty="0" err="1"/>
+              <a:t>Pengetahuan</a:t>
             </a:r>
             <a:endParaRPr lang="en-ID" dirty="0"/>
           </a:p>
@@ -8399,8 +8482,16 @@
           <a:lstStyle/>
           <a:p>
             <a:r>
-              <a:rPr lang="en-US"/>
-              <a:t>Matematika &amp; Statistik</a:t>
+              <a:rPr lang="en-US" dirty="0" err="1"/>
+              <a:t>Matematika</a:t>
+            </a:r>
+            <a:r>
+              <a:rPr lang="en-US" dirty="0"/>
+              <a:t> &amp; </a:t>
+            </a:r>
+            <a:r>
+              <a:rPr lang="en-US" dirty="0" err="1"/>
+              <a:t>Statistik</a:t>
             </a:r>
             <a:endParaRPr lang="en-US" dirty="0"/>
           </a:p>
@@ -8410,7 +8501,7 @@
               <a:buChar char="•"/>
             </a:pPr>
             <a:r>
-              <a:rPr lang="en-US"/>
+              <a:rPr lang="en-US" dirty="0"/>
               <a:t>Machine Learning</a:t>
             </a:r>
           </a:p>
@@ -8420,10 +8511,9 @@
               <a:buChar char="•"/>
             </a:pPr>
             <a:r>
-              <a:rPr lang="en-US"/>
+              <a:rPr lang="en-US" dirty="0"/>
               <a:t>Deep Learning</a:t>
             </a:r>
-            <a:endParaRPr lang="en-US" dirty="0"/>
           </a:p>
           <a:p>
             <a:pPr marL="285750" indent="-285750">
@@ -8445,14 +8535,13 @@
               <a:buChar char="•"/>
             </a:pPr>
             <a:r>
-              <a:rPr lang="en-US" err="1"/>
+              <a:rPr lang="en-US" dirty="0" err="1"/>
               <a:t>Anomali</a:t>
             </a:r>
             <a:r>
-              <a:rPr lang="en-US"/>
+              <a:rPr lang="en-US" dirty="0"/>
               <a:t> detections</a:t>
             </a:r>
-            <a:endParaRPr lang="en-US" dirty="0"/>
           </a:p>
         </p:txBody>
       </p:sp>
@@ -8530,7 +8619,7 @@
           <a:lstStyle/>
           <a:p>
             <a:r>
-              <a:rPr lang="en-US" altLang="ko-KR" sz="2200">
+              <a:rPr lang="en-US" altLang="ko-KR" sz="2200" dirty="0" err="1">
                 <a:solidFill>
                   <a:schemeClr val="tx1">
                     <a:lumMod val="75000"/>
@@ -8539,7 +8628,307 @@
                 </a:solidFill>
                 <a:cs typeface="Arial" pitchFamily="34" charset="0"/>
               </a:rPr>
-              <a:t>Bidang ilmu khusus mempelajari cara pengolahan mulai dari pengumpulan data hingga menjadi suatu pengetahuan.</a:t>
+              <a:t>Bidang</a:t>
+            </a:r>
+            <a:r>
+              <a:rPr lang="en-US" altLang="ko-KR" sz="2200" dirty="0">
+                <a:solidFill>
+                  <a:schemeClr val="tx1">
+                    <a:lumMod val="75000"/>
+                    <a:lumOff val="25000"/>
+                  </a:schemeClr>
+                </a:solidFill>
+                <a:cs typeface="Arial" pitchFamily="34" charset="0"/>
+              </a:rPr>
+              <a:t> </a:t>
+            </a:r>
+            <a:r>
+              <a:rPr lang="en-US" altLang="ko-KR" sz="2200" dirty="0" err="1">
+                <a:solidFill>
+                  <a:schemeClr val="tx1">
+                    <a:lumMod val="75000"/>
+                    <a:lumOff val="25000"/>
+                  </a:schemeClr>
+                </a:solidFill>
+                <a:cs typeface="Arial" pitchFamily="34" charset="0"/>
+              </a:rPr>
+              <a:t>ilmu</a:t>
+            </a:r>
+            <a:r>
+              <a:rPr lang="en-US" altLang="ko-KR" sz="2200" dirty="0">
+                <a:solidFill>
+                  <a:schemeClr val="tx1">
+                    <a:lumMod val="75000"/>
+                    <a:lumOff val="25000"/>
+                  </a:schemeClr>
+                </a:solidFill>
+                <a:cs typeface="Arial" pitchFamily="34" charset="0"/>
+              </a:rPr>
+              <a:t> </a:t>
+            </a:r>
+            <a:r>
+              <a:rPr lang="en-US" altLang="ko-KR" sz="2200" dirty="0" err="1">
+                <a:solidFill>
+                  <a:schemeClr val="tx1">
+                    <a:lumMod val="75000"/>
+                    <a:lumOff val="25000"/>
+                  </a:schemeClr>
+                </a:solidFill>
+                <a:cs typeface="Arial" pitchFamily="34" charset="0"/>
+              </a:rPr>
+              <a:t>khusus</a:t>
+            </a:r>
+            <a:r>
+              <a:rPr lang="en-US" altLang="ko-KR" sz="2200" dirty="0">
+                <a:solidFill>
+                  <a:schemeClr val="tx1">
+                    <a:lumMod val="75000"/>
+                    <a:lumOff val="25000"/>
+                  </a:schemeClr>
+                </a:solidFill>
+                <a:cs typeface="Arial" pitchFamily="34" charset="0"/>
+              </a:rPr>
+              <a:t> </a:t>
+            </a:r>
+            <a:r>
+              <a:rPr lang="en-US" altLang="ko-KR" sz="2200" dirty="0" err="1">
+                <a:solidFill>
+                  <a:schemeClr val="tx1">
+                    <a:lumMod val="75000"/>
+                    <a:lumOff val="25000"/>
+                  </a:schemeClr>
+                </a:solidFill>
+                <a:cs typeface="Arial" pitchFamily="34" charset="0"/>
+              </a:rPr>
+              <a:t>mempelajari</a:t>
+            </a:r>
+            <a:r>
+              <a:rPr lang="en-US" altLang="ko-KR" sz="2200" dirty="0">
+                <a:solidFill>
+                  <a:schemeClr val="tx1">
+                    <a:lumMod val="75000"/>
+                    <a:lumOff val="25000"/>
+                  </a:schemeClr>
+                </a:solidFill>
+                <a:cs typeface="Arial" pitchFamily="34" charset="0"/>
+              </a:rPr>
+              <a:t> </a:t>
+            </a:r>
+            <a:r>
+              <a:rPr lang="en-US" altLang="ko-KR" sz="2200" dirty="0" err="1">
+                <a:solidFill>
+                  <a:schemeClr val="tx1">
+                    <a:lumMod val="75000"/>
+                    <a:lumOff val="25000"/>
+                  </a:schemeClr>
+                </a:solidFill>
+                <a:cs typeface="Arial" pitchFamily="34" charset="0"/>
+              </a:rPr>
+              <a:t>cara</a:t>
+            </a:r>
+            <a:r>
+              <a:rPr lang="en-US" altLang="ko-KR" sz="2200" dirty="0">
+                <a:solidFill>
+                  <a:schemeClr val="tx1">
+                    <a:lumMod val="75000"/>
+                    <a:lumOff val="25000"/>
+                  </a:schemeClr>
+                </a:solidFill>
+                <a:cs typeface="Arial" pitchFamily="34" charset="0"/>
+              </a:rPr>
+              <a:t> </a:t>
+            </a:r>
+            <a:r>
+              <a:rPr lang="en-US" altLang="ko-KR" sz="2200" dirty="0" err="1">
+                <a:solidFill>
+                  <a:schemeClr val="tx1">
+                    <a:lumMod val="75000"/>
+                    <a:lumOff val="25000"/>
+                  </a:schemeClr>
+                </a:solidFill>
+                <a:cs typeface="Arial" pitchFamily="34" charset="0"/>
+              </a:rPr>
+              <a:t>pengolahan</a:t>
+            </a:r>
+            <a:r>
+              <a:rPr lang="en-US" altLang="ko-KR" sz="2200" dirty="0">
+                <a:solidFill>
+                  <a:schemeClr val="tx1">
+                    <a:lumMod val="75000"/>
+                    <a:lumOff val="25000"/>
+                  </a:schemeClr>
+                </a:solidFill>
+                <a:cs typeface="Arial" pitchFamily="34" charset="0"/>
+              </a:rPr>
+              <a:t> </a:t>
+            </a:r>
+            <a:r>
+              <a:rPr lang="en-US" altLang="ko-KR" sz="2200" dirty="0" err="1">
+                <a:solidFill>
+                  <a:schemeClr val="tx1">
+                    <a:lumMod val="75000"/>
+                    <a:lumOff val="25000"/>
+                  </a:schemeClr>
+                </a:solidFill>
+                <a:cs typeface="Arial" pitchFamily="34" charset="0"/>
+              </a:rPr>
+              <a:t>mulai</a:t>
+            </a:r>
+            <a:r>
+              <a:rPr lang="en-US" altLang="ko-KR" sz="2200" dirty="0">
+                <a:solidFill>
+                  <a:schemeClr val="tx1">
+                    <a:lumMod val="75000"/>
+                    <a:lumOff val="25000"/>
+                  </a:schemeClr>
+                </a:solidFill>
+                <a:cs typeface="Arial" pitchFamily="34" charset="0"/>
+              </a:rPr>
+              <a:t> </a:t>
+            </a:r>
+            <a:r>
+              <a:rPr lang="en-US" altLang="ko-KR" sz="2200" dirty="0" err="1">
+                <a:solidFill>
+                  <a:schemeClr val="tx1">
+                    <a:lumMod val="75000"/>
+                    <a:lumOff val="25000"/>
+                  </a:schemeClr>
+                </a:solidFill>
+                <a:cs typeface="Arial" pitchFamily="34" charset="0"/>
+              </a:rPr>
+              <a:t>dari</a:t>
+            </a:r>
+            <a:r>
+              <a:rPr lang="en-US" altLang="ko-KR" sz="2200" dirty="0">
+                <a:solidFill>
+                  <a:schemeClr val="tx1">
+                    <a:lumMod val="75000"/>
+                    <a:lumOff val="25000"/>
+                  </a:schemeClr>
+                </a:solidFill>
+                <a:cs typeface="Arial" pitchFamily="34" charset="0"/>
+              </a:rPr>
+              <a:t> </a:t>
+            </a:r>
+            <a:r>
+              <a:rPr lang="en-US" altLang="ko-KR" sz="2200" dirty="0" err="1">
+                <a:solidFill>
+                  <a:schemeClr val="tx1">
+                    <a:lumMod val="75000"/>
+                    <a:lumOff val="25000"/>
+                  </a:schemeClr>
+                </a:solidFill>
+                <a:cs typeface="Arial" pitchFamily="34" charset="0"/>
+              </a:rPr>
+              <a:t>pengumpulan</a:t>
+            </a:r>
+            <a:r>
+              <a:rPr lang="en-US" altLang="ko-KR" sz="2200" dirty="0">
+                <a:solidFill>
+                  <a:schemeClr val="tx1">
+                    <a:lumMod val="75000"/>
+                    <a:lumOff val="25000"/>
+                  </a:schemeClr>
+                </a:solidFill>
+                <a:cs typeface="Arial" pitchFamily="34" charset="0"/>
+              </a:rPr>
+              <a:t> data </a:t>
+            </a:r>
+            <a:r>
+              <a:rPr lang="en-US" altLang="ko-KR" sz="2200" dirty="0" err="1">
+                <a:solidFill>
+                  <a:schemeClr val="tx1">
+                    <a:lumMod val="75000"/>
+                    <a:lumOff val="25000"/>
+                  </a:schemeClr>
+                </a:solidFill>
+                <a:cs typeface="Arial" pitchFamily="34" charset="0"/>
+              </a:rPr>
+              <a:t>hingga</a:t>
+            </a:r>
+            <a:r>
+              <a:rPr lang="en-US" altLang="ko-KR" sz="2200" dirty="0">
+                <a:solidFill>
+                  <a:schemeClr val="tx1">
+                    <a:lumMod val="75000"/>
+                    <a:lumOff val="25000"/>
+                  </a:schemeClr>
+                </a:solidFill>
+                <a:cs typeface="Arial" pitchFamily="34" charset="0"/>
+              </a:rPr>
+              <a:t> </a:t>
+            </a:r>
+            <a:r>
+              <a:rPr lang="en-US" altLang="ko-KR" sz="2200" dirty="0" err="1">
+                <a:solidFill>
+                  <a:schemeClr val="tx1">
+                    <a:lumMod val="75000"/>
+                    <a:lumOff val="25000"/>
+                  </a:schemeClr>
+                </a:solidFill>
+                <a:cs typeface="Arial" pitchFamily="34" charset="0"/>
+              </a:rPr>
+              <a:t>menjadi</a:t>
+            </a:r>
+            <a:r>
+              <a:rPr lang="en-US" altLang="ko-KR" sz="2200" dirty="0">
+                <a:solidFill>
+                  <a:schemeClr val="tx1">
+                    <a:lumMod val="75000"/>
+                    <a:lumOff val="25000"/>
+                  </a:schemeClr>
+                </a:solidFill>
+                <a:cs typeface="Arial" pitchFamily="34" charset="0"/>
+              </a:rPr>
+              <a:t> </a:t>
+            </a:r>
+            <a:r>
+              <a:rPr lang="en-US" altLang="ko-KR" sz="2200" dirty="0" err="1">
+                <a:solidFill>
+                  <a:schemeClr val="tx1">
+                    <a:lumMod val="75000"/>
+                    <a:lumOff val="25000"/>
+                  </a:schemeClr>
+                </a:solidFill>
+                <a:cs typeface="Arial" pitchFamily="34" charset="0"/>
+              </a:rPr>
+              <a:t>suatu</a:t>
+            </a:r>
+            <a:r>
+              <a:rPr lang="en-US" altLang="ko-KR" sz="2200" dirty="0">
+                <a:solidFill>
+                  <a:schemeClr val="tx1">
+                    <a:lumMod val="75000"/>
+                    <a:lumOff val="25000"/>
+                  </a:schemeClr>
+                </a:solidFill>
+                <a:cs typeface="Arial" pitchFamily="34" charset="0"/>
+              </a:rPr>
+              <a:t> </a:t>
+            </a:r>
+            <a:r>
+              <a:rPr lang="en-US" altLang="ko-KR" sz="2200" dirty="0" err="1">
+                <a:solidFill>
+                  <a:schemeClr val="tx1">
+                    <a:lumMod val="75000"/>
+                    <a:lumOff val="25000"/>
+                  </a:schemeClr>
+                </a:solidFill>
+                <a:cs typeface="Arial" pitchFamily="34" charset="0"/>
+              </a:rPr>
+              <a:t>pengetahuan</a:t>
+            </a:r>
+            <a:r>
+              <a:rPr lang="en-US" altLang="ko-KR" sz="2200" dirty="0">
+                <a:solidFill>
+                  <a:schemeClr val="tx1">
+                    <a:lumMod val="75000"/>
+                    <a:lumOff val="25000"/>
+                  </a:schemeClr>
+                </a:solidFill>
+                <a:cs typeface="Arial" pitchFamily="34" charset="0"/>
+              </a:rPr>
+              <a:t>.</a:t>
             </a:r>
             <a:endParaRPr lang="ko-KR" altLang="en-US" sz="2200" i="1" dirty="0">
               <a:solidFill>
